--- a/docs/SmartyDo CS2101 Presentation.pptx
+++ b/docs/SmartyDo CS2101 Presentation.pptx
@@ -4392,8 +4392,8 @@
         </p:nvSpPr>
         <p:spPr>
           <a:xfrm>
-            <a:off x="1956440" y="3575235"/>
-            <a:ext cx="3600400" cy="2369880"/>
+            <a:off x="2195736" y="3343619"/>
+            <a:ext cx="3600400" cy="2800767"/>
           </a:xfrm>
           <a:prstGeom prst="rect">
             <a:avLst/>
@@ -4417,6 +4417,14 @@
             </a:r>
           </a:p>
           <a:p>
+            <a:pPr algn="l"/>
+            <a:endParaRPr lang="en-US" sz="2800" dirty="0" smtClean="0">
+              <a:solidFill>
+                <a:srgbClr val="000000"/>
+              </a:solidFill>
+            </a:endParaRPr>
+          </a:p>
+          <a:p>
             <a:pPr marL="342900" indent="-342900" algn="l">
               <a:buFont typeface="Arial" panose="020B0604020202020204" pitchFamily="34" charset="0"/>
               <a:buChar char="•"/>
@@ -4463,43 +4471,6 @@
               <a:buFont typeface="Arial" panose="020B0604020202020204" pitchFamily="34" charset="0"/>
               <a:buChar char="•"/>
             </a:pPr>
-            <a:endParaRPr lang="en-SG" dirty="0">
-              <a:solidFill>
-                <a:srgbClr val="000000"/>
-              </a:solidFill>
-            </a:endParaRPr>
-          </a:p>
-        </p:txBody>
-      </p:sp>
-      <p:sp>
-        <p:nvSpPr>
-          <p:cNvPr id="9" name="Rectangle 8"/>
-          <p:cNvSpPr/>
-          <p:nvPr/>
-        </p:nvSpPr>
-        <p:spPr>
-          <a:xfrm>
-            <a:off x="3144365" y="3198168"/>
-            <a:ext cx="2855269" cy="461665"/>
-          </a:xfrm>
-          <a:prstGeom prst="rect">
-            <a:avLst/>
-          </a:prstGeom>
-        </p:spPr>
-        <p:txBody>
-          <a:bodyPr wrap="none">
-            <a:spAutoFit/>
-          </a:bodyPr>
-          <a:lstStyle/>
-          <a:p>
-            <a:r>
-              <a:rPr lang="en-US" dirty="0" smtClean="0">
-                <a:solidFill>
-                  <a:srgbClr val="000000"/>
-                </a:solidFill>
-              </a:rPr>
-              <a:t>Remember the milk</a:t>
-            </a:r>
             <a:endParaRPr lang="en-SG" dirty="0">
               <a:solidFill>
                 <a:srgbClr val="000000"/>

--- a/docs/SmartyDo CS2101 Presentation.pptx
+++ b/docs/SmartyDo CS2101 Presentation.pptx
@@ -3786,8 +3786,8 @@
         </p:nvSpPr>
         <p:spPr>
           <a:xfrm>
-            <a:off x="609600" y="623888"/>
-            <a:ext cx="6553200" cy="762000"/>
+            <a:off x="29712" y="620688"/>
+            <a:ext cx="8210872" cy="762000"/>
           </a:xfrm>
           <a:extLst>
             <a:ext uri="{AF507438-7753-43E0-B8FC-AC1667EBCBE1}">
@@ -3812,12 +3812,6 @@
               </a:rPr>
               <a:t>SmartyDo</a:t>
             </a:r>
-            <a:r>
-              <a:rPr lang="en-US" sz="4400" dirty="0" smtClean="0">
-                <a:latin typeface="Segoe Script" panose="020B0504020000000003" pitchFamily="34" charset="0"/>
-              </a:rPr>
-              <a:t> </a:t>
-            </a:r>
             <a:endParaRPr lang="ru-RU" sz="4400" dirty="0" smtClean="0">
               <a:latin typeface="Segoe Script" panose="020B0504020000000003" pitchFamily="34" charset="0"/>
             </a:endParaRPr>
@@ -3836,8 +3830,8 @@
         </p:nvSpPr>
         <p:spPr>
           <a:xfrm>
-            <a:off x="628650" y="1295400"/>
-            <a:ext cx="3367286" cy="533400"/>
+            <a:off x="251520" y="1319312"/>
+            <a:ext cx="5112568" cy="453504"/>
           </a:xfrm>
           <a:extLst>
             <a:ext uri="{AF507438-7753-43E0-B8FC-AC1667EBCBE1}">
@@ -3857,11 +3851,18 @@
           <a:p>
             <a:pPr algn="l" eaLnBrk="1" hangingPunct="1"/>
             <a:r>
-              <a:rPr lang="en-SG" dirty="0" smtClean="0">
-                <a:latin typeface="Segoe Script" panose="020B0504020000000003" pitchFamily="34" charset="0"/>
+              <a:rPr lang="en-SG" sz="2000" dirty="0" smtClean="0">
+                <a:latin typeface="Segoe UI Historic" panose="020B0502040204020203" pitchFamily="34" charset="0"/>
+                <a:ea typeface="Segoe UI Historic" panose="020B0502040204020203" pitchFamily="34" charset="0"/>
+                <a:cs typeface="Segoe UI Historic" panose="020B0502040204020203" pitchFamily="34" charset="0"/>
               </a:rPr>
-              <a:t>Error 404 Group 3</a:t>
-            </a:r>
+              <a:t>Your preferred Task Manager</a:t>
+            </a:r>
+            <a:endParaRPr lang="en-SG" sz="2000" dirty="0" smtClean="0">
+              <a:latin typeface="Segoe UI Historic" panose="020B0502040204020203" pitchFamily="34" charset="0"/>
+              <a:ea typeface="Segoe UI Historic" panose="020B0502040204020203" pitchFamily="34" charset="0"/>
+              <a:cs typeface="Segoe UI Historic" panose="020B0502040204020203" pitchFamily="34" charset="0"/>
+            </a:endParaRPr>
           </a:p>
         </p:txBody>
       </p:sp>
@@ -3890,40 +3891,60 @@
             <a:pPr algn="l"/>
             <a:r>
               <a:rPr lang="en-US" sz="2800" dirty="0" smtClean="0">
-                <a:cs typeface="Arial" panose="020B0604020202020204" pitchFamily="34" charset="0"/>
+                <a:latin typeface="Segoe UI" panose="020B0502040204020203" pitchFamily="34" charset="0"/>
+                <a:cs typeface="Segoe UI" panose="020B0502040204020203" pitchFamily="34" charset="0"/>
               </a:rPr>
               <a:t>Presenters</a:t>
             </a:r>
             <a:r>
-              <a:rPr lang="en-US" dirty="0" smtClean="0"/>
+              <a:rPr lang="en-US" dirty="0" smtClean="0">
+                <a:latin typeface="Segoe UI" panose="020B0502040204020203" pitchFamily="34" charset="0"/>
+                <a:cs typeface="Segoe UI" panose="020B0502040204020203" pitchFamily="34" charset="0"/>
+              </a:rPr>
               <a:t>:</a:t>
             </a:r>
           </a:p>
           <a:p>
             <a:pPr algn="l"/>
             <a:r>
-              <a:rPr lang="en-US" sz="2000" dirty="0" smtClean="0"/>
+              <a:rPr lang="en-US" sz="2000" dirty="0" smtClean="0">
+                <a:latin typeface="Segoe UI" panose="020B0502040204020203" pitchFamily="34" charset="0"/>
+                <a:ea typeface="Segoe UI Emoji" panose="020B0502040204020203" pitchFamily="34" charset="0"/>
+                <a:cs typeface="Segoe UI" panose="020B0502040204020203" pitchFamily="34" charset="0"/>
+              </a:rPr>
               <a:t>Filbert</a:t>
             </a:r>
           </a:p>
           <a:p>
             <a:pPr algn="l"/>
             <a:r>
-              <a:rPr lang="en-US" sz="2000" dirty="0" smtClean="0"/>
+              <a:rPr lang="en-US" sz="2000" dirty="0" smtClean="0">
+                <a:latin typeface="Segoe UI" panose="020B0502040204020203" pitchFamily="34" charset="0"/>
+                <a:ea typeface="Segoe UI Emoji" panose="020B0502040204020203" pitchFamily="34" charset="0"/>
+                <a:cs typeface="Segoe UI" panose="020B0502040204020203" pitchFamily="34" charset="0"/>
+              </a:rPr>
               <a:t>Moon</a:t>
             </a:r>
           </a:p>
           <a:p>
             <a:pPr algn="l"/>
             <a:r>
-              <a:rPr lang="en-US" sz="2000" dirty="0" smtClean="0"/>
+              <a:rPr lang="en-US" sz="2000" dirty="0" smtClean="0">
+                <a:latin typeface="Segoe UI" panose="020B0502040204020203" pitchFamily="34" charset="0"/>
+                <a:ea typeface="Segoe UI Emoji" panose="020B0502040204020203" pitchFamily="34" charset="0"/>
+                <a:cs typeface="Segoe UI" panose="020B0502040204020203" pitchFamily="34" charset="0"/>
+              </a:rPr>
               <a:t>Matthew</a:t>
             </a:r>
           </a:p>
           <a:p>
             <a:pPr algn="l"/>
             <a:r>
-              <a:rPr lang="en-US" sz="2000" dirty="0" smtClean="0"/>
+              <a:rPr lang="en-US" sz="2000" dirty="0" smtClean="0">
+                <a:latin typeface="Segoe UI" panose="020B0502040204020203" pitchFamily="34" charset="0"/>
+                <a:ea typeface="Segoe UI Emoji" panose="020B0502040204020203" pitchFamily="34" charset="0"/>
+                <a:cs typeface="Segoe UI" panose="020B0502040204020203" pitchFamily="34" charset="0"/>
+              </a:rPr>
               <a:t>Kenneth</a:t>
             </a:r>
           </a:p>
@@ -3983,14 +4004,14 @@
           <a:p>
             <a:r>
               <a:rPr lang="en-US" sz="3600" dirty="0" smtClean="0">
-                <a:latin typeface="Arial" panose="020B0604020202020204" pitchFamily="34" charset="0"/>
-                <a:cs typeface="Arial" panose="020B0604020202020204" pitchFamily="34" charset="0"/>
+                <a:latin typeface="Segoe UI" panose="020B0502040204020203" pitchFamily="34" charset="0"/>
+                <a:cs typeface="Segoe UI" panose="020B0502040204020203" pitchFamily="34" charset="0"/>
               </a:rPr>
               <a:t>Product categories currently in the market</a:t>
             </a:r>
             <a:endParaRPr lang="en-SG" sz="3600" dirty="0">
-              <a:latin typeface="Arial" panose="020B0604020202020204" pitchFamily="34" charset="0"/>
-              <a:cs typeface="Arial" panose="020B0604020202020204" pitchFamily="34" charset="0"/>
+              <a:latin typeface="Segoe UI" panose="020B0502040204020203" pitchFamily="34" charset="0"/>
+              <a:cs typeface="Segoe UI" panose="020B0502040204020203" pitchFamily="34" charset="0"/>
             </a:endParaRPr>
           </a:p>
         </p:txBody>
@@ -4004,7 +4025,7 @@
         <p:spPr>
           <a:xfrm>
             <a:off x="467544" y="2492896"/>
-            <a:ext cx="5040560" cy="2308324"/>
+            <a:ext cx="5040560" cy="2193357"/>
           </a:xfrm>
           <a:prstGeom prst="rect">
             <a:avLst/>
@@ -4025,7 +4046,10 @@
               <a:buChar char="•"/>
             </a:pPr>
             <a:r>
-              <a:rPr lang="en-US" dirty="0" smtClean="0"/>
+              <a:rPr lang="en-US" dirty="0" smtClean="0">
+                <a:latin typeface="Segoe UI" panose="020B0502040204020203" pitchFamily="34" charset="0"/>
+                <a:cs typeface="Segoe UI" panose="020B0502040204020203" pitchFamily="34" charset="0"/>
+              </a:rPr>
               <a:t>Grocery List </a:t>
             </a:r>
           </a:p>
@@ -4038,7 +4062,10 @@
               <a:buChar char="•"/>
             </a:pPr>
             <a:r>
-              <a:rPr lang="en-US" dirty="0" smtClean="0"/>
+              <a:rPr lang="en-US" dirty="0" smtClean="0">
+                <a:latin typeface="Segoe UI" panose="020B0502040204020203" pitchFamily="34" charset="0"/>
+                <a:cs typeface="Segoe UI" panose="020B0502040204020203" pitchFamily="34" charset="0"/>
+              </a:rPr>
               <a:t>Getting Things Done (GTD)</a:t>
             </a:r>
           </a:p>
@@ -4051,7 +4078,10 @@
               <a:buChar char="•"/>
             </a:pPr>
             <a:r>
-              <a:rPr lang="en-US" dirty="0" smtClean="0"/>
+              <a:rPr lang="en-US" dirty="0" smtClean="0">
+                <a:latin typeface="Segoe UI" panose="020B0502040204020203" pitchFamily="34" charset="0"/>
+                <a:cs typeface="Segoe UI" panose="020B0502040204020203" pitchFamily="34" charset="0"/>
+              </a:rPr>
               <a:t>Plain Text</a:t>
             </a:r>
           </a:p>
@@ -4121,6 +4151,18 @@
   <p:clrMapOvr>
     <a:masterClrMapping/>
   </p:clrMapOvr>
+  <mc:AlternateContent xmlns:mc="http://schemas.openxmlformats.org/markup-compatibility/2006">
+    <mc:Choice xmlns:p14="http://schemas.microsoft.com/office/powerpoint/2010/main" Requires="p14">
+      <p:transition spd="slow" p14:dur="800">
+        <p:circle/>
+      </p:transition>
+    </mc:Choice>
+    <mc:Fallback>
+      <p:transition spd="slow">
+        <p:circle/>
+      </p:transition>
+    </mc:Fallback>
+  </mc:AlternateContent>
   <p:timing>
     <p:tnLst>
       <p:par>
@@ -4412,6 +4454,8 @@
                 <a:solidFill>
                   <a:srgbClr val="000000"/>
                 </a:solidFill>
+                <a:latin typeface="Segoe UI" panose="020B0502040204020203" pitchFamily="34" charset="0"/>
+                <a:cs typeface="Segoe UI" panose="020B0502040204020203" pitchFamily="34" charset="0"/>
               </a:rPr>
               <a:t>Advantages</a:t>
             </a:r>
@@ -4422,6 +4466,8 @@
               <a:solidFill>
                 <a:srgbClr val="000000"/>
               </a:solidFill>
+              <a:latin typeface="Segoe UI" panose="020B0502040204020203" pitchFamily="34" charset="0"/>
+              <a:cs typeface="Segoe UI" panose="020B0502040204020203" pitchFamily="34" charset="0"/>
             </a:endParaRPr>
           </a:p>
           <a:p>
@@ -4434,6 +4480,8 @@
                 <a:solidFill>
                   <a:srgbClr val="000000"/>
                 </a:solidFill>
+                <a:latin typeface="Segoe UI" panose="020B0502040204020203" pitchFamily="34" charset="0"/>
+                <a:cs typeface="Segoe UI" panose="020B0502040204020203" pitchFamily="34" charset="0"/>
               </a:rPr>
               <a:t>Simple listing of tasks</a:t>
             </a:r>
@@ -4448,6 +4496,8 @@
                 <a:solidFill>
                   <a:srgbClr val="000000"/>
                 </a:solidFill>
+                <a:latin typeface="Segoe UI" panose="020B0502040204020203" pitchFamily="34" charset="0"/>
+                <a:cs typeface="Segoe UI" panose="020B0502040204020203" pitchFamily="34" charset="0"/>
               </a:rPr>
               <a:t>Minimal description</a:t>
             </a:r>
@@ -4462,6 +4512,8 @@
                 <a:solidFill>
                   <a:srgbClr val="000000"/>
                 </a:solidFill>
+                <a:latin typeface="Segoe UI" panose="020B0502040204020203" pitchFamily="34" charset="0"/>
+                <a:cs typeface="Segoe UI" panose="020B0502040204020203" pitchFamily="34" charset="0"/>
               </a:rPr>
               <a:t>Focus on what needs to be done</a:t>
             </a:r>
@@ -4484,6 +4536,25 @@
   <p:clrMapOvr>
     <a:masterClrMapping/>
   </p:clrMapOvr>
+  <mc:AlternateContent xmlns:mc="http://schemas.openxmlformats.org/markup-compatibility/2006">
+    <mc:Choice xmlns:p14="http://schemas.microsoft.com/office/powerpoint/2010/main" Requires="p14">
+      <p:transition spd="slow" p14:dur="1500">
+        <p:split orient="vert"/>
+      </p:transition>
+    </mc:Choice>
+    <mc:Fallback>
+      <p:transition spd="slow">
+        <p:split orient="vert"/>
+      </p:transition>
+    </mc:Fallback>
+  </mc:AlternateContent>
+  <p:timing>
+    <p:tnLst>
+      <p:par>
+        <p:cTn id="1" dur="indefinite" restart="never" nodeType="tmRoot"/>
+      </p:par>
+    </p:tnLst>
+  </p:timing>
 </p:sld>
 </file>
 
@@ -4739,6 +4810,9 @@
   <p:clrMapOvr>
     <a:masterClrMapping/>
   </p:clrMapOvr>
+  <p:transition spd="slow">
+    <p:wipe/>
+  </p:transition>
   <p:timing>
     <p:tnLst>
       <p:par>
@@ -4975,6 +5049,18 @@
   <p:clrMapOvr>
     <a:masterClrMapping/>
   </p:clrMapOvr>
+  <mc:AlternateContent xmlns:mc="http://schemas.openxmlformats.org/markup-compatibility/2006">
+    <mc:Choice xmlns:p15="http://schemas.microsoft.com/office/powerpoint/2012/main" Requires="p15">
+      <p:transition xmlns:p14="http://schemas.microsoft.com/office/powerpoint/2010/main" spd="slow" p14:dur="2000">
+        <p15:prstTrans prst="fracture"/>
+      </p:transition>
+    </mc:Choice>
+    <mc:Fallback>
+      <p:transition spd="slow">
+        <p:fade/>
+      </p:transition>
+    </mc:Fallback>
+  </mc:AlternateContent>
   <p:timing>
     <p:tnLst>
       <p:par>
@@ -5011,7 +5097,7 @@
           <p:nvPr/>
         </p:nvPicPr>
         <p:blipFill>
-          <a:blip r:embed="rId2"/>
+          <a:blip r:embed="rId3"/>
           <a:stretch>
             <a:fillRect/>
           </a:stretch>
@@ -5034,7 +5120,7 @@
         </p:nvSpPr>
         <p:spPr>
           <a:xfrm>
-            <a:off x="2807804" y="1196752"/>
+            <a:off x="2411760" y="1268760"/>
             <a:ext cx="4680520" cy="461665"/>
           </a:xfrm>
           <a:prstGeom prst="rect">
@@ -5064,7 +5150,7 @@
         </p:nvSpPr>
         <p:spPr>
           <a:xfrm>
-            <a:off x="3131840" y="2309078"/>
+            <a:off x="2706273" y="2309078"/>
             <a:ext cx="4032448" cy="2239844"/>
           </a:xfrm>
           <a:prstGeom prst="rect">
@@ -5159,6 +5245,36 @@
           </a:p>
         </p:txBody>
       </p:sp>
+      <p:pic>
+        <p:nvPicPr>
+          <p:cNvPr id="3" name="Picture 2"/>
+          <p:cNvPicPr>
+            <a:picLocks noChangeAspect="1"/>
+          </p:cNvPicPr>
+          <p:nvPr/>
+        </p:nvPicPr>
+        <p:blipFill>
+          <a:blip r:embed="rId4">
+            <a:extLst>
+              <a:ext uri="{28A0092B-C50C-407E-A947-70E740481C1C}">
+                <a14:useLocalDpi xmlns:a14="http://schemas.microsoft.com/office/drawing/2010/main" val="0"/>
+              </a:ext>
+            </a:extLst>
+          </a:blip>
+          <a:stretch>
+            <a:fillRect/>
+          </a:stretch>
+        </p:blipFill>
+        <p:spPr>
+          <a:xfrm>
+            <a:off x="2782648" y="1340768"/>
+            <a:ext cx="3938744" cy="3938732"/>
+          </a:xfrm>
+          <a:prstGeom prst="rect">
+            <a:avLst/>
+          </a:prstGeom>
+        </p:spPr>
+      </p:pic>
     </p:spTree>
     <p:extLst>
       <p:ext uri="{BB962C8B-B14F-4D97-AF65-F5344CB8AC3E}">
@@ -5169,6 +5285,495 @@
   <p:clrMapOvr>
     <a:masterClrMapping/>
   </p:clrMapOvr>
+  <mc:AlternateContent xmlns:mc="http://schemas.openxmlformats.org/markup-compatibility/2006">
+    <mc:Choice xmlns:p15="http://schemas.microsoft.com/office/powerpoint/2012/main" Requires="p15">
+      <p:transition xmlns:p14="http://schemas.microsoft.com/office/powerpoint/2010/main" spd="slow" p14:dur="3250">
+        <p15:prstTrans prst="curtains"/>
+        <p:sndAc>
+          <p:stSnd>
+            <p:snd r:embed="rId2" name="drumroll.wav"/>
+          </p:stSnd>
+        </p:sndAc>
+      </p:transition>
+    </mc:Choice>
+    <mc:Fallback>
+      <p:transition spd="slow">
+        <p:fade/>
+        <p:sndAc>
+          <p:stSnd>
+            <p:snd r:embed="rId2" name="drumroll.wav"/>
+          </p:stSnd>
+        </p:sndAc>
+      </p:transition>
+    </mc:Fallback>
+  </mc:AlternateContent>
+  <p:timing>
+    <p:tnLst>
+      <p:par>
+        <p:cTn id="1" dur="indefinite" restart="never" nodeType="tmRoot">
+          <p:childTnLst>
+            <p:seq concurrent="1" nextAc="seek">
+              <p:cTn id="2" dur="indefinite" nodeType="mainSeq">
+                <p:childTnLst>
+                  <p:par>
+                    <p:cTn id="3" fill="hold">
+                      <p:stCondLst>
+                        <p:cond delay="indefinite"/>
+                        <p:cond evt="onBegin" delay="0">
+                          <p:tn val="2"/>
+                        </p:cond>
+                      </p:stCondLst>
+                      <p:childTnLst>
+                        <p:par>
+                          <p:cTn id="4" fill="hold">
+                            <p:stCondLst>
+                              <p:cond delay="0"/>
+                            </p:stCondLst>
+                            <p:childTnLst>
+                              <p:par>
+                                <p:cTn id="5" presetID="2" presetClass="exit" presetSubtype="4" fill="hold" nodeType="afterEffect">
+                                  <p:stCondLst>
+                                    <p:cond delay="0"/>
+                                  </p:stCondLst>
+                                  <p:childTnLst>
+                                    <p:anim calcmode="lin" valueType="num">
+                                      <p:cBhvr additive="base">
+                                        <p:cTn id="6" dur="500"/>
+                                        <p:tgtEl>
+                                          <p:spTgt spid="3"/>
+                                        </p:tgtEl>
+                                        <p:attrNameLst>
+                                          <p:attrName>ppt_x</p:attrName>
+                                        </p:attrNameLst>
+                                      </p:cBhvr>
+                                      <p:tavLst>
+                                        <p:tav tm="0">
+                                          <p:val>
+                                            <p:strVal val="ppt_x"/>
+                                          </p:val>
+                                        </p:tav>
+                                        <p:tav tm="100000">
+                                          <p:val>
+                                            <p:strVal val="ppt_x"/>
+                                          </p:val>
+                                        </p:tav>
+                                      </p:tavLst>
+                                    </p:anim>
+                                    <p:anim calcmode="lin" valueType="num">
+                                      <p:cBhvr additive="base">
+                                        <p:cTn id="7" dur="500"/>
+                                        <p:tgtEl>
+                                          <p:spTgt spid="3"/>
+                                        </p:tgtEl>
+                                        <p:attrNameLst>
+                                          <p:attrName>ppt_y</p:attrName>
+                                        </p:attrNameLst>
+                                      </p:cBhvr>
+                                      <p:tavLst>
+                                        <p:tav tm="0">
+                                          <p:val>
+                                            <p:strVal val="ppt_y"/>
+                                          </p:val>
+                                        </p:tav>
+                                        <p:tav tm="100000">
+                                          <p:val>
+                                            <p:strVal val="1+ppt_h/2"/>
+                                          </p:val>
+                                        </p:tav>
+                                      </p:tavLst>
+                                    </p:anim>
+                                    <p:set>
+                                      <p:cBhvr>
+                                        <p:cTn id="8" dur="1" fill="hold">
+                                          <p:stCondLst>
+                                            <p:cond delay="499"/>
+                                          </p:stCondLst>
+                                        </p:cTn>
+                                        <p:tgtEl>
+                                          <p:spTgt spid="3"/>
+                                        </p:tgtEl>
+                                        <p:attrNameLst>
+                                          <p:attrName>style.visibility</p:attrName>
+                                        </p:attrNameLst>
+                                      </p:cBhvr>
+                                      <p:to>
+                                        <p:strVal val="hidden"/>
+                                      </p:to>
+                                    </p:set>
+                                  </p:childTnLst>
+                                </p:cTn>
+                              </p:par>
+                            </p:childTnLst>
+                          </p:cTn>
+                        </p:par>
+                        <p:par>
+                          <p:cTn id="9" fill="hold">
+                            <p:stCondLst>
+                              <p:cond delay="500"/>
+                            </p:stCondLst>
+                            <p:childTnLst>
+                              <p:par>
+                                <p:cTn id="10" presetID="26" presetClass="entr" presetSubtype="0" fill="hold" nodeType="afterEffect">
+                                  <p:stCondLst>
+                                    <p:cond delay="0"/>
+                                  </p:stCondLst>
+                                  <p:childTnLst>
+                                    <p:set>
+                                      <p:cBhvr>
+                                        <p:cTn id="11" dur="1" fill="hold">
+                                          <p:stCondLst>
+                                            <p:cond delay="0"/>
+                                          </p:stCondLst>
+                                        </p:cTn>
+                                        <p:tgtEl>
+                                          <p:spTgt spid="4"/>
+                                        </p:tgtEl>
+                                        <p:attrNameLst>
+                                          <p:attrName>style.visibility</p:attrName>
+                                        </p:attrNameLst>
+                                      </p:cBhvr>
+                                      <p:to>
+                                        <p:strVal val="visible"/>
+                                      </p:to>
+                                    </p:set>
+                                    <p:animEffect transition="in" filter="wipe(down)">
+                                      <p:cBhvr>
+                                        <p:cTn id="12" dur="580">
+                                          <p:stCondLst>
+                                            <p:cond delay="0"/>
+                                          </p:stCondLst>
+                                        </p:cTn>
+                                        <p:tgtEl>
+                                          <p:spTgt spid="4"/>
+                                        </p:tgtEl>
+                                      </p:cBhvr>
+                                    </p:animEffect>
+                                    <p:anim calcmode="lin" valueType="num">
+                                      <p:cBhvr>
+                                        <p:cTn id="13" dur="1822" tmFilter="0,0; 0.14,0.36; 0.43,0.73; 0.71,0.91; 1.0,1.0">
+                                          <p:stCondLst>
+                                            <p:cond delay="0"/>
+                                          </p:stCondLst>
+                                        </p:cTn>
+                                        <p:tgtEl>
+                                          <p:spTgt spid="4"/>
+                                        </p:tgtEl>
+                                        <p:attrNameLst>
+                                          <p:attrName>ppt_x</p:attrName>
+                                        </p:attrNameLst>
+                                      </p:cBhvr>
+                                      <p:tavLst>
+                                        <p:tav tm="0">
+                                          <p:val>
+                                            <p:strVal val="#ppt_x-0.25"/>
+                                          </p:val>
+                                        </p:tav>
+                                        <p:tav tm="100000">
+                                          <p:val>
+                                            <p:strVal val="#ppt_x"/>
+                                          </p:val>
+                                        </p:tav>
+                                      </p:tavLst>
+                                    </p:anim>
+                                    <p:anim calcmode="lin" valueType="num">
+                                      <p:cBhvr>
+                                        <p:cTn id="14" dur="664" tmFilter="0.0,0.0; 0.25,0.07; 0.50,0.2; 0.75,0.467; 1.0,1.0">
+                                          <p:stCondLst>
+                                            <p:cond delay="0"/>
+                                          </p:stCondLst>
+                                        </p:cTn>
+                                        <p:tgtEl>
+                                          <p:spTgt spid="4"/>
+                                        </p:tgtEl>
+                                        <p:attrNameLst>
+                                          <p:attrName>ppt_y</p:attrName>
+                                        </p:attrNameLst>
+                                      </p:cBhvr>
+                                      <p:tavLst>
+                                        <p:tav tm="0" fmla="#ppt_y-sin(pi*$)/3">
+                                          <p:val>
+                                            <p:fltVal val="0.5"/>
+                                          </p:val>
+                                        </p:tav>
+                                        <p:tav tm="100000">
+                                          <p:val>
+                                            <p:fltVal val="1"/>
+                                          </p:val>
+                                        </p:tav>
+                                      </p:tavLst>
+                                    </p:anim>
+                                    <p:anim calcmode="lin" valueType="num">
+                                      <p:cBhvr>
+                                        <p:cTn id="15" dur="664" tmFilter="0, 0; 0.125,0.2665; 0.25,0.4; 0.375,0.465; 0.5,0.5;  0.625,0.535; 0.75,0.6; 0.875,0.7335; 1,1">
+                                          <p:stCondLst>
+                                            <p:cond delay="664"/>
+                                          </p:stCondLst>
+                                        </p:cTn>
+                                        <p:tgtEl>
+                                          <p:spTgt spid="4"/>
+                                        </p:tgtEl>
+                                        <p:attrNameLst>
+                                          <p:attrName>ppt_y</p:attrName>
+                                        </p:attrNameLst>
+                                      </p:cBhvr>
+                                      <p:tavLst>
+                                        <p:tav tm="0" fmla="#ppt_y-sin(pi*$)/9">
+                                          <p:val>
+                                            <p:fltVal val="0"/>
+                                          </p:val>
+                                        </p:tav>
+                                        <p:tav tm="100000">
+                                          <p:val>
+                                            <p:fltVal val="1"/>
+                                          </p:val>
+                                        </p:tav>
+                                      </p:tavLst>
+                                    </p:anim>
+                                    <p:anim calcmode="lin" valueType="num">
+                                      <p:cBhvr>
+                                        <p:cTn id="16" dur="332" tmFilter="0, 0; 0.125,0.2665; 0.25,0.4; 0.375,0.465; 0.5,0.5;  0.625,0.535; 0.75,0.6; 0.875,0.7335; 1,1">
+                                          <p:stCondLst>
+                                            <p:cond delay="1324"/>
+                                          </p:stCondLst>
+                                        </p:cTn>
+                                        <p:tgtEl>
+                                          <p:spTgt spid="4"/>
+                                        </p:tgtEl>
+                                        <p:attrNameLst>
+                                          <p:attrName>ppt_y</p:attrName>
+                                        </p:attrNameLst>
+                                      </p:cBhvr>
+                                      <p:tavLst>
+                                        <p:tav tm="0" fmla="#ppt_y-sin(pi*$)/27">
+                                          <p:val>
+                                            <p:fltVal val="0"/>
+                                          </p:val>
+                                        </p:tav>
+                                        <p:tav tm="100000">
+                                          <p:val>
+                                            <p:fltVal val="1"/>
+                                          </p:val>
+                                        </p:tav>
+                                      </p:tavLst>
+                                    </p:anim>
+                                    <p:anim calcmode="lin" valueType="num">
+                                      <p:cBhvr>
+                                        <p:cTn id="17" dur="164" tmFilter="0, 0; 0.125,0.2665; 0.25,0.4; 0.375,0.465; 0.5,0.5;  0.625,0.535; 0.75,0.6; 0.875,0.7335; 1,1">
+                                          <p:stCondLst>
+                                            <p:cond delay="1656"/>
+                                          </p:stCondLst>
+                                        </p:cTn>
+                                        <p:tgtEl>
+                                          <p:spTgt spid="4"/>
+                                        </p:tgtEl>
+                                        <p:attrNameLst>
+                                          <p:attrName>ppt_y</p:attrName>
+                                        </p:attrNameLst>
+                                      </p:cBhvr>
+                                      <p:tavLst>
+                                        <p:tav tm="0" fmla="#ppt_y-sin(pi*$)/81">
+                                          <p:val>
+                                            <p:fltVal val="0"/>
+                                          </p:val>
+                                        </p:tav>
+                                        <p:tav tm="100000">
+                                          <p:val>
+                                            <p:fltVal val="1"/>
+                                          </p:val>
+                                        </p:tav>
+                                      </p:tavLst>
+                                    </p:anim>
+                                    <p:animScale>
+                                      <p:cBhvr>
+                                        <p:cTn id="18" dur="26">
+                                          <p:stCondLst>
+                                            <p:cond delay="650"/>
+                                          </p:stCondLst>
+                                        </p:cTn>
+                                        <p:tgtEl>
+                                          <p:spTgt spid="4"/>
+                                        </p:tgtEl>
+                                      </p:cBhvr>
+                                      <p:to x="100000" y="60000"/>
+                                    </p:animScale>
+                                    <p:animScale>
+                                      <p:cBhvr>
+                                        <p:cTn id="19" dur="166" decel="50000">
+                                          <p:stCondLst>
+                                            <p:cond delay="676"/>
+                                          </p:stCondLst>
+                                        </p:cTn>
+                                        <p:tgtEl>
+                                          <p:spTgt spid="4"/>
+                                        </p:tgtEl>
+                                      </p:cBhvr>
+                                      <p:to x="100000" y="100000"/>
+                                    </p:animScale>
+                                    <p:animScale>
+                                      <p:cBhvr>
+                                        <p:cTn id="20" dur="26">
+                                          <p:stCondLst>
+                                            <p:cond delay="1312"/>
+                                          </p:stCondLst>
+                                        </p:cTn>
+                                        <p:tgtEl>
+                                          <p:spTgt spid="4"/>
+                                        </p:tgtEl>
+                                      </p:cBhvr>
+                                      <p:to x="100000" y="80000"/>
+                                    </p:animScale>
+                                    <p:animScale>
+                                      <p:cBhvr>
+                                        <p:cTn id="21" dur="166" decel="50000">
+                                          <p:stCondLst>
+                                            <p:cond delay="1338"/>
+                                          </p:stCondLst>
+                                        </p:cTn>
+                                        <p:tgtEl>
+                                          <p:spTgt spid="4"/>
+                                        </p:tgtEl>
+                                      </p:cBhvr>
+                                      <p:to x="100000" y="100000"/>
+                                    </p:animScale>
+                                    <p:animScale>
+                                      <p:cBhvr>
+                                        <p:cTn id="22" dur="26">
+                                          <p:stCondLst>
+                                            <p:cond delay="1642"/>
+                                          </p:stCondLst>
+                                        </p:cTn>
+                                        <p:tgtEl>
+                                          <p:spTgt spid="4"/>
+                                        </p:tgtEl>
+                                      </p:cBhvr>
+                                      <p:to x="100000" y="90000"/>
+                                    </p:animScale>
+                                    <p:animScale>
+                                      <p:cBhvr>
+                                        <p:cTn id="23" dur="166" decel="50000">
+                                          <p:stCondLst>
+                                            <p:cond delay="1668"/>
+                                          </p:stCondLst>
+                                        </p:cTn>
+                                        <p:tgtEl>
+                                          <p:spTgt spid="4"/>
+                                        </p:tgtEl>
+                                      </p:cBhvr>
+                                      <p:to x="100000" y="100000"/>
+                                    </p:animScale>
+                                    <p:animScale>
+                                      <p:cBhvr>
+                                        <p:cTn id="24" dur="26">
+                                          <p:stCondLst>
+                                            <p:cond delay="1808"/>
+                                          </p:stCondLst>
+                                        </p:cTn>
+                                        <p:tgtEl>
+                                          <p:spTgt spid="4"/>
+                                        </p:tgtEl>
+                                      </p:cBhvr>
+                                      <p:to x="100000" y="95000"/>
+                                    </p:animScale>
+                                    <p:animScale>
+                                      <p:cBhvr>
+                                        <p:cTn id="25" dur="166" decel="50000">
+                                          <p:stCondLst>
+                                            <p:cond delay="1834"/>
+                                          </p:stCondLst>
+                                        </p:cTn>
+                                        <p:tgtEl>
+                                          <p:spTgt spid="4"/>
+                                        </p:tgtEl>
+                                      </p:cBhvr>
+                                      <p:to x="100000" y="100000"/>
+                                    </p:animScale>
+                                  </p:childTnLst>
+                                </p:cTn>
+                              </p:par>
+                            </p:childTnLst>
+                          </p:cTn>
+                        </p:par>
+                      </p:childTnLst>
+                    </p:cTn>
+                  </p:par>
+                  <p:par>
+                    <p:cTn id="26" fill="hold">
+                      <p:stCondLst>
+                        <p:cond delay="indefinite"/>
+                      </p:stCondLst>
+                      <p:childTnLst>
+                        <p:par>
+                          <p:cTn id="27" fill="hold">
+                            <p:stCondLst>
+                              <p:cond delay="0"/>
+                            </p:stCondLst>
+                            <p:childTnLst>
+                              <p:par>
+                                <p:cTn id="28" presetID="14" presetClass="entr" presetSubtype="10" fill="hold" grpId="0" nodeType="clickEffect">
+                                  <p:stCondLst>
+                                    <p:cond delay="0"/>
+                                  </p:stCondLst>
+                                  <p:childTnLst>
+                                    <p:set>
+                                      <p:cBhvr>
+                                        <p:cTn id="29" dur="1" fill="hold">
+                                          <p:stCondLst>
+                                            <p:cond delay="0"/>
+                                          </p:stCondLst>
+                                        </p:cTn>
+                                        <p:tgtEl>
+                                          <p:spTgt spid="2"/>
+                                        </p:tgtEl>
+                                        <p:attrNameLst>
+                                          <p:attrName>style.visibility</p:attrName>
+                                        </p:attrNameLst>
+                                      </p:cBhvr>
+                                      <p:to>
+                                        <p:strVal val="visible"/>
+                                      </p:to>
+                                    </p:set>
+                                    <p:animEffect transition="in" filter="randombar(horizontal)">
+                                      <p:cBhvr>
+                                        <p:cTn id="30" dur="500"/>
+                                        <p:tgtEl>
+                                          <p:spTgt spid="2"/>
+                                        </p:tgtEl>
+                                      </p:cBhvr>
+                                    </p:animEffect>
+                                  </p:childTnLst>
+                                </p:cTn>
+                              </p:par>
+                            </p:childTnLst>
+                          </p:cTn>
+                        </p:par>
+                      </p:childTnLst>
+                    </p:cTn>
+                  </p:par>
+                </p:childTnLst>
+              </p:cTn>
+              <p:prevCondLst>
+                <p:cond evt="onPrev" delay="0">
+                  <p:tgtEl>
+                    <p:sldTgt/>
+                  </p:tgtEl>
+                </p:cond>
+              </p:prevCondLst>
+              <p:nextCondLst>
+                <p:cond evt="onNext" delay="0">
+                  <p:tgtEl>
+                    <p:sldTgt/>
+                  </p:tgtEl>
+                </p:cond>
+              </p:nextCondLst>
+            </p:seq>
+          </p:childTnLst>
+        </p:cTn>
+      </p:par>
+    </p:tnLst>
+    <p:bldLst>
+      <p:bldP spid="2" grpId="0"/>
+    </p:bldLst>
+  </p:timing>
 </p:sld>
 </file>
 

--- a/docs/SmartyDo CS2101 Presentation.pptx
+++ b/docs/SmartyDo CS2101 Presentation.pptx
@@ -5,7 +5,7 @@
     <p:sldMasterId id="2147483648" r:id="rId1"/>
   </p:sldMasterIdLst>
   <p:notesMasterIdLst>
-    <p:notesMasterId r:id="rId8"/>
+    <p:notesMasterId r:id="rId13"/>
   </p:notesMasterIdLst>
   <p:sldIdLst>
     <p:sldId id="256" r:id="rId2"/>
@@ -14,6 +14,11 @@
     <p:sldId id="284" r:id="rId5"/>
     <p:sldId id="257" r:id="rId6"/>
     <p:sldId id="280" r:id="rId7"/>
+    <p:sldId id="285" r:id="rId8"/>
+    <p:sldId id="286" r:id="rId9"/>
+    <p:sldId id="287" r:id="rId10"/>
+    <p:sldId id="288" r:id="rId11"/>
+    <p:sldId id="289" r:id="rId12"/>
   </p:sldIdLst>
   <p:sldSz cx="9144000" cy="6858000" type="screen4x3"/>
   <p:notesSz cx="6858000" cy="9144000"/>
@@ -3858,11 +3863,6 @@
               </a:rPr>
               <a:t>Your preferred Task Manager</a:t>
             </a:r>
-            <a:endParaRPr lang="en-SG" sz="2000" dirty="0" smtClean="0">
-              <a:latin typeface="Segoe UI Historic" panose="020B0502040204020203" pitchFamily="34" charset="0"/>
-              <a:ea typeface="Segoe UI Historic" panose="020B0502040204020203" pitchFamily="34" charset="0"/>
-              <a:cs typeface="Segoe UI Historic" panose="020B0502040204020203" pitchFamily="34" charset="0"/>
-            </a:endParaRPr>
           </a:p>
         </p:txBody>
       </p:sp>
@@ -3951,6 +3951,138 @@
         </p:txBody>
       </p:sp>
     </p:spTree>
+  </p:cSld>
+  <p:clrMapOvr>
+    <a:masterClrMapping/>
+  </p:clrMapOvr>
+  <p:timing>
+    <p:tnLst>
+      <p:par>
+        <p:cTn id="1" dur="indefinite" restart="never" nodeType="tmRoot"/>
+      </p:par>
+    </p:tnLst>
+  </p:timing>
+</p:sld>
+</file>
+
+<file path=ppt/slides/slide10.xml><?xml version="1.0" encoding="utf-8"?>
+<p:sld xmlns:a="http://schemas.openxmlformats.org/drawingml/2006/main" xmlns:r="http://schemas.openxmlformats.org/officeDocument/2006/relationships" xmlns:p="http://schemas.openxmlformats.org/presentationml/2006/main">
+  <p:cSld>
+    <p:spTree>
+      <p:nvGrpSpPr>
+        <p:cNvPr id="1" name=""/>
+        <p:cNvGrpSpPr/>
+        <p:nvPr/>
+      </p:nvGrpSpPr>
+      <p:grpSpPr>
+        <a:xfrm>
+          <a:off x="0" y="0"/>
+          <a:ext cx="0" cy="0"/>
+          <a:chOff x="0" y="0"/>
+          <a:chExt cx="0" cy="0"/>
+        </a:xfrm>
+      </p:grpSpPr>
+      <p:sp>
+        <p:nvSpPr>
+          <p:cNvPr id="2" name="Title 1"/>
+          <p:cNvSpPr>
+            <a:spLocks noGrp="1"/>
+          </p:cNvSpPr>
+          <p:nvPr>
+            <p:ph type="ctrTitle"/>
+          </p:nvPr>
+        </p:nvSpPr>
+        <p:spPr>
+          <a:xfrm>
+            <a:off x="971600" y="2132856"/>
+            <a:ext cx="7389440" cy="2387600"/>
+          </a:xfrm>
+        </p:spPr>
+        <p:txBody>
+          <a:bodyPr/>
+          <a:lstStyle/>
+          <a:p>
+            <a:pPr algn="ctr"/>
+            <a:r>
+              <a:rPr lang="en-SG" dirty="0" smtClean="0"/>
+              <a:t>“This is exactly what I need!”</a:t>
+            </a:r>
+            <a:endParaRPr lang="en-GB" dirty="0"/>
+          </a:p>
+        </p:txBody>
+      </p:sp>
+    </p:spTree>
+    <p:extLst>
+      <p:ext uri="{BB962C8B-B14F-4D97-AF65-F5344CB8AC3E}">
+        <p14:creationId xmlns:p14="http://schemas.microsoft.com/office/powerpoint/2010/main" val="2926093952"/>
+      </p:ext>
+    </p:extLst>
+  </p:cSld>
+  <p:clrMapOvr>
+    <a:masterClrMapping/>
+  </p:clrMapOvr>
+  <p:timing>
+    <p:tnLst>
+      <p:par>
+        <p:cTn id="1" dur="indefinite" restart="never" nodeType="tmRoot"/>
+      </p:par>
+    </p:tnLst>
+  </p:timing>
+</p:sld>
+</file>
+
+<file path=ppt/slides/slide11.xml><?xml version="1.0" encoding="utf-8"?>
+<p:sld xmlns:a="http://schemas.openxmlformats.org/drawingml/2006/main" xmlns:r="http://schemas.openxmlformats.org/officeDocument/2006/relationships" xmlns:p="http://schemas.openxmlformats.org/presentationml/2006/main">
+  <p:cSld>
+    <p:spTree>
+      <p:nvGrpSpPr>
+        <p:cNvPr id="1" name=""/>
+        <p:cNvGrpSpPr/>
+        <p:nvPr/>
+      </p:nvGrpSpPr>
+      <p:grpSpPr>
+        <a:xfrm>
+          <a:off x="0" y="0"/>
+          <a:ext cx="0" cy="0"/>
+          <a:chOff x="0" y="0"/>
+          <a:chExt cx="0" cy="0"/>
+        </a:xfrm>
+      </p:grpSpPr>
+      <p:sp>
+        <p:nvSpPr>
+          <p:cNvPr id="2" name="Title 1"/>
+          <p:cNvSpPr>
+            <a:spLocks noGrp="1"/>
+          </p:cNvSpPr>
+          <p:nvPr>
+            <p:ph type="ctrTitle"/>
+          </p:nvPr>
+        </p:nvSpPr>
+        <p:spPr>
+          <a:xfrm>
+            <a:off x="1115616" y="2132856"/>
+            <a:ext cx="7389440" cy="2387600"/>
+          </a:xfrm>
+        </p:spPr>
+        <p:txBody>
+          <a:bodyPr/>
+          <a:lstStyle/>
+          <a:p>
+            <a:pPr algn="ctr"/>
+            <a:r>
+              <a:rPr lang="en-SG" dirty="0" smtClean="0"/>
+              <a:t>Is There a Catch?</a:t>
+            </a:r>
+            <a:endParaRPr lang="en-GB" dirty="0"/>
+          </a:p>
+        </p:txBody>
+      </p:sp>
+    </p:spTree>
+    <p:extLst>
+      <p:ext uri="{BB962C8B-B14F-4D97-AF65-F5344CB8AC3E}">
+        <p14:creationId xmlns:p14="http://schemas.microsoft.com/office/powerpoint/2010/main" val="474872473"/>
+      </p:ext>
+    </p:extLst>
   </p:cSld>
   <p:clrMapOvr>
     <a:masterClrMapping/>
@@ -4151,13 +4283,13 @@
   <p:clrMapOvr>
     <a:masterClrMapping/>
   </p:clrMapOvr>
-  <mc:AlternateContent xmlns:mc="http://schemas.openxmlformats.org/markup-compatibility/2006">
-    <mc:Choice xmlns:p14="http://schemas.microsoft.com/office/powerpoint/2010/main" Requires="p14">
+  <mc:AlternateContent xmlns:mc="http://schemas.openxmlformats.org/markup-compatibility/2006" xmlns:p14="http://schemas.microsoft.com/office/powerpoint/2010/main">
+    <mc:Choice Requires="p14">
       <p:transition spd="slow" p14:dur="800">
         <p:circle/>
       </p:transition>
     </mc:Choice>
-    <mc:Fallback>
+    <mc:Fallback xmlns="">
       <p:transition spd="slow">
         <p:circle/>
       </p:transition>
@@ -4536,13 +4668,13 @@
   <p:clrMapOvr>
     <a:masterClrMapping/>
   </p:clrMapOvr>
-  <mc:AlternateContent xmlns:mc="http://schemas.openxmlformats.org/markup-compatibility/2006">
-    <mc:Choice xmlns:p14="http://schemas.microsoft.com/office/powerpoint/2010/main" Requires="p14">
+  <mc:AlternateContent xmlns:mc="http://schemas.openxmlformats.org/markup-compatibility/2006" xmlns:p14="http://schemas.microsoft.com/office/powerpoint/2010/main">
+    <mc:Choice Requires="p14">
       <p:transition spd="slow" p14:dur="1500">
         <p:split orient="vert"/>
       </p:transition>
     </mc:Choice>
-    <mc:Fallback>
+    <mc:Fallback xmlns="">
       <p:transition spd="slow">
         <p:split orient="vert"/>
       </p:transition>
@@ -5049,13 +5181,13 @@
   <p:clrMapOvr>
     <a:masterClrMapping/>
   </p:clrMapOvr>
-  <mc:AlternateContent xmlns:mc="http://schemas.openxmlformats.org/markup-compatibility/2006">
-    <mc:Choice xmlns:p15="http://schemas.microsoft.com/office/powerpoint/2012/main" Requires="p15">
+  <mc:AlternateContent xmlns:mc="http://schemas.openxmlformats.org/markup-compatibility/2006" xmlns:p15="http://schemas.microsoft.com/office/powerpoint/2012/main">
+    <mc:Choice Requires="p15">
       <p:transition xmlns:p14="http://schemas.microsoft.com/office/powerpoint/2010/main" spd="slow" p14:dur="2000">
         <p15:prstTrans prst="fracture"/>
       </p:transition>
     </mc:Choice>
-    <mc:Fallback>
+    <mc:Fallback xmlns="">
       <p:transition spd="slow">
         <p:fade/>
       </p:transition>
@@ -5285,8 +5417,8 @@
   <p:clrMapOvr>
     <a:masterClrMapping/>
   </p:clrMapOvr>
-  <mc:AlternateContent xmlns:mc="http://schemas.openxmlformats.org/markup-compatibility/2006">
-    <mc:Choice xmlns:p15="http://schemas.microsoft.com/office/powerpoint/2012/main" Requires="p15">
+  <mc:AlternateContent xmlns:mc="http://schemas.openxmlformats.org/markup-compatibility/2006" xmlns:p15="http://schemas.microsoft.com/office/powerpoint/2012/main">
+    <mc:Choice Requires="p15">
       <p:transition xmlns:p14="http://schemas.microsoft.com/office/powerpoint/2010/main" spd="slow" p14:dur="3250">
         <p15:prstTrans prst="curtains"/>
         <p:sndAc>
@@ -5296,12 +5428,12 @@
         </p:sndAc>
       </p:transition>
     </mc:Choice>
-    <mc:Fallback>
+    <mc:Fallback xmlns="">
       <p:transition spd="slow">
         <p:fade/>
         <p:sndAc>
           <p:stSnd>
-            <p:snd r:embed="rId2" name="drumroll.wav"/>
+            <p:snd r:embed="rId5" name="drumroll.wav"/>
           </p:stSnd>
         </p:sndAc>
       </p:transition>
@@ -5773,6 +5905,224 @@
     <p:bldLst>
       <p:bldP spid="2" grpId="0"/>
     </p:bldLst>
+  </p:timing>
+</p:sld>
+</file>
+
+<file path=ppt/slides/slide7.xml><?xml version="1.0" encoding="utf-8"?>
+<p:sld xmlns:a="http://schemas.openxmlformats.org/drawingml/2006/main" xmlns:r="http://schemas.openxmlformats.org/officeDocument/2006/relationships" xmlns:p="http://schemas.openxmlformats.org/presentationml/2006/main">
+  <p:cSld>
+    <p:spTree>
+      <p:nvGrpSpPr>
+        <p:cNvPr id="1" name=""/>
+        <p:cNvGrpSpPr/>
+        <p:nvPr/>
+      </p:nvGrpSpPr>
+      <p:grpSpPr>
+        <a:xfrm>
+          <a:off x="0" y="0"/>
+          <a:ext cx="0" cy="0"/>
+          <a:chOff x="0" y="0"/>
+          <a:chExt cx="0" cy="0"/>
+        </a:xfrm>
+      </p:grpSpPr>
+      <p:sp>
+        <p:nvSpPr>
+          <p:cNvPr id="2" name="Title 1"/>
+          <p:cNvSpPr>
+            <a:spLocks noGrp="1"/>
+          </p:cNvSpPr>
+          <p:nvPr>
+            <p:ph type="ctrTitle"/>
+          </p:nvPr>
+        </p:nvSpPr>
+        <p:spPr>
+          <a:xfrm>
+            <a:off x="-252536" y="2924944"/>
+            <a:ext cx="7772400" cy="704850"/>
+          </a:xfrm>
+        </p:spPr>
+        <p:txBody>
+          <a:bodyPr/>
+          <a:lstStyle/>
+          <a:p>
+            <a:r>
+              <a:rPr lang="en-SG" dirty="0" smtClean="0"/>
+              <a:t>Our Two Design Principle</a:t>
+            </a:r>
+            <a:endParaRPr lang="en-GB" dirty="0"/>
+          </a:p>
+        </p:txBody>
+      </p:sp>
+    </p:spTree>
+    <p:extLst>
+      <p:ext uri="{BB962C8B-B14F-4D97-AF65-F5344CB8AC3E}">
+        <p14:creationId xmlns:p14="http://schemas.microsoft.com/office/powerpoint/2010/main" val="2390813015"/>
+      </p:ext>
+    </p:extLst>
+  </p:cSld>
+  <p:clrMapOvr>
+    <a:masterClrMapping/>
+  </p:clrMapOvr>
+  <p:timing>
+    <p:tnLst>
+      <p:par>
+        <p:cTn id="1" dur="indefinite" restart="never" nodeType="tmRoot"/>
+      </p:par>
+    </p:tnLst>
+  </p:timing>
+</p:sld>
+</file>
+
+<file path=ppt/slides/slide8.xml><?xml version="1.0" encoding="utf-8"?>
+<p:sld xmlns:a="http://schemas.openxmlformats.org/drawingml/2006/main" xmlns:r="http://schemas.openxmlformats.org/officeDocument/2006/relationships" xmlns:p="http://schemas.openxmlformats.org/presentationml/2006/main">
+  <p:cSld>
+    <p:spTree>
+      <p:nvGrpSpPr>
+        <p:cNvPr id="1" name=""/>
+        <p:cNvGrpSpPr/>
+        <p:nvPr/>
+      </p:nvGrpSpPr>
+      <p:grpSpPr>
+        <a:xfrm>
+          <a:off x="0" y="0"/>
+          <a:ext cx="0" cy="0"/>
+          <a:chOff x="0" y="0"/>
+          <a:chExt cx="0" cy="0"/>
+        </a:xfrm>
+      </p:grpSpPr>
+      <p:sp>
+        <p:nvSpPr>
+          <p:cNvPr id="2" name="Title 1"/>
+          <p:cNvSpPr>
+            <a:spLocks noGrp="1"/>
+          </p:cNvSpPr>
+          <p:nvPr>
+            <p:ph type="ctrTitle"/>
+          </p:nvPr>
+        </p:nvSpPr>
+        <p:spPr>
+          <a:xfrm>
+            <a:off x="827584" y="2204864"/>
+            <a:ext cx="7389440" cy="2387600"/>
+          </a:xfrm>
+        </p:spPr>
+        <p:txBody>
+          <a:bodyPr/>
+          <a:lstStyle/>
+          <a:p>
+            <a:pPr algn="ctr"/>
+            <a:r>
+              <a:rPr lang="en-SG" dirty="0" smtClean="0"/>
+              <a:t>The Elves and the Shoemaker</a:t>
+            </a:r>
+            <a:br>
+              <a:rPr lang="en-SG" dirty="0" smtClean="0"/>
+            </a:br>
+            <a:r>
+              <a:rPr lang="en-SG" sz="1800" dirty="0" smtClean="0"/>
+              <a:t>Design Principle</a:t>
+            </a:r>
+            <a:endParaRPr lang="en-GB" sz="1800" dirty="0"/>
+          </a:p>
+        </p:txBody>
+      </p:sp>
+    </p:spTree>
+    <p:extLst>
+      <p:ext uri="{BB962C8B-B14F-4D97-AF65-F5344CB8AC3E}">
+        <p14:creationId xmlns:p14="http://schemas.microsoft.com/office/powerpoint/2010/main" val="694740285"/>
+      </p:ext>
+    </p:extLst>
+  </p:cSld>
+  <p:clrMapOvr>
+    <a:masterClrMapping/>
+  </p:clrMapOvr>
+  <p:timing>
+    <p:tnLst>
+      <p:par>
+        <p:cTn id="1" dur="indefinite" restart="never" nodeType="tmRoot"/>
+      </p:par>
+    </p:tnLst>
+  </p:timing>
+</p:sld>
+</file>
+
+<file path=ppt/slides/slide9.xml><?xml version="1.0" encoding="utf-8"?>
+<p:sld xmlns:a="http://schemas.openxmlformats.org/drawingml/2006/main" xmlns:r="http://schemas.openxmlformats.org/officeDocument/2006/relationships" xmlns:p="http://schemas.openxmlformats.org/presentationml/2006/main">
+  <p:cSld>
+    <p:spTree>
+      <p:nvGrpSpPr>
+        <p:cNvPr id="1" name=""/>
+        <p:cNvGrpSpPr/>
+        <p:nvPr/>
+      </p:nvGrpSpPr>
+      <p:grpSpPr>
+        <a:xfrm>
+          <a:off x="0" y="0"/>
+          <a:ext cx="0" cy="0"/>
+          <a:chOff x="0" y="0"/>
+          <a:chExt cx="0" cy="0"/>
+        </a:xfrm>
+      </p:grpSpPr>
+      <p:sp>
+        <p:nvSpPr>
+          <p:cNvPr id="2" name="Title 1"/>
+          <p:cNvSpPr>
+            <a:spLocks noGrp="1"/>
+          </p:cNvSpPr>
+          <p:nvPr>
+            <p:ph type="ctrTitle"/>
+          </p:nvPr>
+        </p:nvSpPr>
+        <p:spPr>
+          <a:xfrm>
+            <a:off x="899592" y="2420888"/>
+            <a:ext cx="7389440" cy="2387600"/>
+          </a:xfrm>
+        </p:spPr>
+        <p:txBody>
+          <a:bodyPr/>
+          <a:lstStyle/>
+          <a:p>
+            <a:pPr algn="ctr"/>
+            <a:r>
+              <a:rPr lang="en-SG" dirty="0" smtClean="0"/>
+              <a:t>Just Enough is Enough</a:t>
+            </a:r>
+            <a:br>
+              <a:rPr lang="en-SG" dirty="0" smtClean="0"/>
+            </a:br>
+            <a:r>
+              <a:rPr lang="en-SG" sz="1800" dirty="0" smtClean="0"/>
+              <a:t>Design Principle</a:t>
+            </a:r>
+            <a:r>
+              <a:rPr lang="en-SG" dirty="0" smtClean="0"/>
+              <a:t/>
+            </a:r>
+            <a:br>
+              <a:rPr lang="en-SG" dirty="0" smtClean="0"/>
+            </a:br>
+            <a:endParaRPr lang="en-GB" dirty="0"/>
+          </a:p>
+        </p:txBody>
+      </p:sp>
+    </p:spTree>
+    <p:extLst>
+      <p:ext uri="{BB962C8B-B14F-4D97-AF65-F5344CB8AC3E}">
+        <p14:creationId xmlns:p14="http://schemas.microsoft.com/office/powerpoint/2010/main" val="3180098290"/>
+      </p:ext>
+    </p:extLst>
+  </p:cSld>
+  <p:clrMapOvr>
+    <a:masterClrMapping/>
+  </p:clrMapOvr>
+  <p:timing>
+    <p:tnLst>
+      <p:par>
+        <p:cTn id="1" dur="indefinite" restart="never" nodeType="tmRoot"/>
+      </p:par>
+    </p:tnLst>
   </p:timing>
 </p:sld>
 </file>

--- a/docs/SmartyDo CS2101 Presentation.pptx
+++ b/docs/SmartyDo CS2101 Presentation.pptx
@@ -5,7 +5,7 @@
     <p:sldMasterId id="2147483648" r:id="rId1"/>
   </p:sldMasterIdLst>
   <p:notesMasterIdLst>
-    <p:notesMasterId r:id="rId13"/>
+    <p:notesMasterId r:id="rId14"/>
   </p:notesMasterIdLst>
   <p:sldIdLst>
     <p:sldId id="256" r:id="rId2"/>
@@ -14,11 +14,12 @@
     <p:sldId id="284" r:id="rId5"/>
     <p:sldId id="257" r:id="rId6"/>
     <p:sldId id="280" r:id="rId7"/>
-    <p:sldId id="285" r:id="rId8"/>
-    <p:sldId id="286" r:id="rId9"/>
-    <p:sldId id="287" r:id="rId10"/>
-    <p:sldId id="288" r:id="rId11"/>
-    <p:sldId id="289" r:id="rId12"/>
+    <p:sldId id="290" r:id="rId8"/>
+    <p:sldId id="285" r:id="rId9"/>
+    <p:sldId id="286" r:id="rId10"/>
+    <p:sldId id="287" r:id="rId11"/>
+    <p:sldId id="288" r:id="rId12"/>
+    <p:sldId id="289" r:id="rId13"/>
   </p:sldIdLst>
   <p:sldSz cx="9144000" cy="6858000" type="screen4x3"/>
   <p:notesSz cx="6858000" cy="9144000"/>
@@ -3813,12 +3814,14 @@
             <a:pPr algn="l" eaLnBrk="1" hangingPunct="1"/>
             <a:r>
               <a:rPr lang="en-US" sz="4400" dirty="0" err="1" smtClean="0">
-                <a:latin typeface="Segoe Script" panose="020B0504020000000003" pitchFamily="34" charset="0"/>
+                <a:latin typeface="Segoe UI Semibold" panose="020B0702040204020203" pitchFamily="34" charset="0"/>
+                <a:cs typeface="Segoe UI Semibold" panose="020B0702040204020203" pitchFamily="34" charset="0"/>
               </a:rPr>
               <a:t>SmartyDo</a:t>
             </a:r>
             <a:endParaRPr lang="ru-RU" sz="4400" dirty="0" smtClean="0">
-              <a:latin typeface="Segoe Script" panose="020B0504020000000003" pitchFamily="34" charset="0"/>
+              <a:latin typeface="Segoe UI Semibold" panose="020B0702040204020203" pitchFamily="34" charset="0"/>
+              <a:cs typeface="Segoe UI Semibold" panose="020B0702040204020203" pitchFamily="34" charset="0"/>
             </a:endParaRPr>
           </a:p>
         </p:txBody>
@@ -3835,7 +3838,7 @@
         </p:nvSpPr>
         <p:spPr>
           <a:xfrm>
-            <a:off x="251520" y="1319312"/>
+            <a:off x="29712" y="1268760"/>
             <a:ext cx="5112568" cy="453504"/>
           </a:xfrm>
           <a:extLst>
@@ -3861,7 +3864,23 @@
                 <a:ea typeface="Segoe UI Historic" panose="020B0502040204020203" pitchFamily="34" charset="0"/>
                 <a:cs typeface="Segoe UI Historic" panose="020B0502040204020203" pitchFamily="34" charset="0"/>
               </a:rPr>
-              <a:t>Your preferred Task Manager</a:t>
+              <a:t>Your </a:t>
+            </a:r>
+            <a:r>
+              <a:rPr lang="en-SG" sz="2000" dirty="0" smtClean="0">
+                <a:latin typeface="Segoe UI Historic" panose="020B0502040204020203" pitchFamily="34" charset="0"/>
+                <a:ea typeface="Segoe UI Historic" panose="020B0502040204020203" pitchFamily="34" charset="0"/>
+                <a:cs typeface="Segoe UI Historic" panose="020B0502040204020203" pitchFamily="34" charset="0"/>
+              </a:rPr>
+              <a:t>Preferred </a:t>
+            </a:r>
+            <a:r>
+              <a:rPr lang="en-SG" sz="2000" dirty="0" smtClean="0">
+                <a:latin typeface="Segoe UI Historic" panose="020B0502040204020203" pitchFamily="34" charset="0"/>
+                <a:ea typeface="Segoe UI Historic" panose="020B0502040204020203" pitchFamily="34" charset="0"/>
+                <a:cs typeface="Segoe UI Historic" panose="020B0502040204020203" pitchFamily="34" charset="0"/>
+              </a:rPr>
+              <a:t>Task Manager</a:t>
             </a:r>
           </a:p>
         </p:txBody>
@@ -3905,7 +3924,10 @@
             </a:r>
           </a:p>
           <a:p>
-            <a:pPr algn="l"/>
+            <a:pPr marL="342900" indent="-342900" algn="l">
+              <a:buFont typeface="Arial" panose="020B0604020202020204" pitchFamily="34" charset="0"/>
+              <a:buChar char="•"/>
+            </a:pPr>
             <a:r>
               <a:rPr lang="en-US" sz="2000" dirty="0" smtClean="0">
                 <a:latin typeface="Segoe UI" panose="020B0502040204020203" pitchFamily="34" charset="0"/>
@@ -3916,7 +3938,10 @@
             </a:r>
           </a:p>
           <a:p>
-            <a:pPr algn="l"/>
+            <a:pPr marL="342900" indent="-342900" algn="l">
+              <a:buFont typeface="Arial" panose="020B0604020202020204" pitchFamily="34" charset="0"/>
+              <a:buChar char="•"/>
+            </a:pPr>
             <a:r>
               <a:rPr lang="en-US" sz="2000" dirty="0" smtClean="0">
                 <a:latin typeface="Segoe UI" panose="020B0502040204020203" pitchFamily="34" charset="0"/>
@@ -3927,7 +3952,10 @@
             </a:r>
           </a:p>
           <a:p>
-            <a:pPr algn="l"/>
+            <a:pPr marL="342900" indent="-342900" algn="l">
+              <a:buFont typeface="Arial" panose="020B0604020202020204" pitchFamily="34" charset="0"/>
+              <a:buChar char="•"/>
+            </a:pPr>
             <a:r>
               <a:rPr lang="en-US" sz="2000" dirty="0" smtClean="0">
                 <a:latin typeface="Segoe UI" panose="020B0502040204020203" pitchFamily="34" charset="0"/>
@@ -3938,7 +3966,10 @@
             </a:r>
           </a:p>
           <a:p>
-            <a:pPr algn="l"/>
+            <a:pPr marL="342900" indent="-342900" algn="l">
+              <a:buFont typeface="Arial" panose="020B0604020202020204" pitchFamily="34" charset="0"/>
+              <a:buChar char="•"/>
+            </a:pPr>
             <a:r>
               <a:rPr lang="en-US" sz="2000" dirty="0" smtClean="0">
                 <a:latin typeface="Segoe UI" panose="020B0502040204020203" pitchFamily="34" charset="0"/>
@@ -3994,6 +4025,86 @@
         </p:nvSpPr>
         <p:spPr>
           <a:xfrm>
+            <a:off x="899592" y="2420888"/>
+            <a:ext cx="7389440" cy="2387600"/>
+          </a:xfrm>
+        </p:spPr>
+        <p:txBody>
+          <a:bodyPr/>
+          <a:lstStyle/>
+          <a:p>
+            <a:pPr algn="ctr"/>
+            <a:r>
+              <a:rPr lang="en-SG" dirty="0" smtClean="0"/>
+              <a:t>Just Enough is Enough</a:t>
+            </a:r>
+            <a:br>
+              <a:rPr lang="en-SG" dirty="0" smtClean="0"/>
+            </a:br>
+            <a:r>
+              <a:rPr lang="en-SG" sz="1800" dirty="0" smtClean="0"/>
+              <a:t>Design Principle</a:t>
+            </a:r>
+            <a:r>
+              <a:rPr lang="en-SG" dirty="0" smtClean="0"/>
+              <a:t/>
+            </a:r>
+            <a:br>
+              <a:rPr lang="en-SG" dirty="0" smtClean="0"/>
+            </a:br>
+            <a:endParaRPr lang="en-GB" dirty="0"/>
+          </a:p>
+        </p:txBody>
+      </p:sp>
+    </p:spTree>
+    <p:extLst>
+      <p:ext uri="{BB962C8B-B14F-4D97-AF65-F5344CB8AC3E}">
+        <p14:creationId xmlns:p14="http://schemas.microsoft.com/office/powerpoint/2010/main" val="3180098290"/>
+      </p:ext>
+    </p:extLst>
+  </p:cSld>
+  <p:clrMapOvr>
+    <a:masterClrMapping/>
+  </p:clrMapOvr>
+  <p:timing>
+    <p:tnLst>
+      <p:par>
+        <p:cTn id="1" dur="indefinite" restart="never" nodeType="tmRoot"/>
+      </p:par>
+    </p:tnLst>
+  </p:timing>
+</p:sld>
+</file>
+
+<file path=ppt/slides/slide11.xml><?xml version="1.0" encoding="utf-8"?>
+<p:sld xmlns:a="http://schemas.openxmlformats.org/drawingml/2006/main" xmlns:r="http://schemas.openxmlformats.org/officeDocument/2006/relationships" xmlns:p="http://schemas.openxmlformats.org/presentationml/2006/main">
+  <p:cSld>
+    <p:spTree>
+      <p:nvGrpSpPr>
+        <p:cNvPr id="1" name=""/>
+        <p:cNvGrpSpPr/>
+        <p:nvPr/>
+      </p:nvGrpSpPr>
+      <p:grpSpPr>
+        <a:xfrm>
+          <a:off x="0" y="0"/>
+          <a:ext cx="0" cy="0"/>
+          <a:chOff x="0" y="0"/>
+          <a:chExt cx="0" cy="0"/>
+        </a:xfrm>
+      </p:grpSpPr>
+      <p:sp>
+        <p:nvSpPr>
+          <p:cNvPr id="2" name="Title 1"/>
+          <p:cNvSpPr>
+            <a:spLocks noGrp="1"/>
+          </p:cNvSpPr>
+          <p:nvPr>
+            <p:ph type="ctrTitle"/>
+          </p:nvPr>
+        </p:nvSpPr>
+        <p:spPr>
+          <a:xfrm>
             <a:off x="971600" y="2132856"/>
             <a:ext cx="7389440" cy="2387600"/>
           </a:xfrm>
@@ -4031,7 +4142,7 @@
 </p:sld>
 </file>
 
-<file path=ppt/slides/slide11.xml><?xml version="1.0" encoding="utf-8"?>
+<file path=ppt/slides/slide12.xml><?xml version="1.0" encoding="utf-8"?>
 <p:sld xmlns:a="http://schemas.openxmlformats.org/drawingml/2006/main" xmlns:r="http://schemas.openxmlformats.org/officeDocument/2006/relationships" xmlns:p="http://schemas.openxmlformats.org/presentationml/2006/main">
   <p:cSld>
     <p:spTree>
@@ -4306,7 +4417,7 @@
 </file>
 
 <file path=ppt/slides/slide3.xml><?xml version="1.0" encoding="utf-8"?>
-<p:sld xmlns:a="http://schemas.openxmlformats.org/drawingml/2006/main" xmlns:r="http://schemas.openxmlformats.org/officeDocument/2006/relationships" xmlns:p="http://schemas.openxmlformats.org/presentationml/2006/main">
+<p:sld xmlns:a="http://schemas.openxmlformats.org/drawingml/2006/main" xmlns:r="http://schemas.openxmlformats.org/officeDocument/2006/relationships" xmlns:p="http://schemas.openxmlformats.org/presentationml/2006/main" show="0">
   <p:cSld>
     <p:bg>
       <p:bgPr>
@@ -4668,13 +4779,13 @@
   <p:clrMapOvr>
     <a:masterClrMapping/>
   </p:clrMapOvr>
-  <mc:AlternateContent xmlns:mc="http://schemas.openxmlformats.org/markup-compatibility/2006" xmlns:p14="http://schemas.microsoft.com/office/powerpoint/2010/main">
-    <mc:Choice Requires="p14">
+  <mc:AlternateContent xmlns:mc="http://schemas.openxmlformats.org/markup-compatibility/2006">
+    <mc:Choice xmlns:p14="http://schemas.microsoft.com/office/powerpoint/2010/main" Requires="p14">
       <p:transition spd="slow" p14:dur="1500">
         <p:split orient="vert"/>
       </p:transition>
     </mc:Choice>
-    <mc:Fallback xmlns="">
+    <mc:Fallback>
       <p:transition spd="slow">
         <p:split orient="vert"/>
       </p:transition>
@@ -4691,7 +4802,7 @@
 </file>
 
 <file path=ppt/slides/slide4.xml><?xml version="1.0" encoding="utf-8"?>
-<p:sld xmlns:a="http://schemas.openxmlformats.org/drawingml/2006/main" xmlns:r="http://schemas.openxmlformats.org/officeDocument/2006/relationships" xmlns:p="http://schemas.openxmlformats.org/presentationml/2006/main">
+<p:sld xmlns:a="http://schemas.openxmlformats.org/drawingml/2006/main" xmlns:r="http://schemas.openxmlformats.org/officeDocument/2006/relationships" xmlns:p="http://schemas.openxmlformats.org/presentationml/2006/main" show="0">
   <p:cSld>
     <p:bg>
       <p:bgPr>
@@ -5346,7 +5457,7 @@
         <p:spPr>
           <a:xfrm>
             <a:off x="151317" y="2492896"/>
-            <a:ext cx="1872208" cy="1077218"/>
+            <a:ext cx="1872208" cy="461665"/>
           </a:xfrm>
           <a:prstGeom prst="rect">
             <a:avLst/>
@@ -5360,19 +5471,21 @@
           <a:lstStyle/>
           <a:p>
             <a:r>
-              <a:rPr lang="en-US" sz="3200" dirty="0" smtClean="0">
+              <a:rPr lang="en-US" dirty="0" err="1" smtClean="0">
                 <a:solidFill>
                   <a:srgbClr val="000000"/>
                 </a:solidFill>
-                <a:latin typeface="Segoe Script" panose="020B0504020000000003" pitchFamily="34" charset="0"/>
+                <a:latin typeface="Segoe UI Semibold" panose="020B0702040204020203" pitchFamily="34" charset="0"/>
+                <a:cs typeface="Segoe UI Semibold" panose="020B0702040204020203" pitchFamily="34" charset="0"/>
               </a:rPr>
-              <a:t>Smarty Do</a:t>
-            </a:r>
-            <a:endParaRPr lang="en-SG" sz="3200" dirty="0">
+              <a:t>SmartyDo</a:t>
+            </a:r>
+            <a:endParaRPr lang="en-SG" dirty="0">
               <a:solidFill>
                 <a:srgbClr val="000000"/>
               </a:solidFill>
-              <a:latin typeface="Segoe Script" panose="020B0504020000000003" pitchFamily="34" charset="0"/>
+              <a:latin typeface="Segoe UI Semibold" panose="020B0702040204020203" pitchFamily="34" charset="0"/>
+              <a:cs typeface="Segoe UI Semibold" panose="020B0702040204020203" pitchFamily="34" charset="0"/>
             </a:endParaRPr>
           </a:p>
         </p:txBody>
@@ -5825,30 +5938,21 @@
                             </p:childTnLst>
                           </p:cTn>
                         </p:par>
-                      </p:childTnLst>
-                    </p:cTn>
-                  </p:par>
-                  <p:par>
-                    <p:cTn id="26" fill="hold">
-                      <p:stCondLst>
-                        <p:cond delay="indefinite"/>
-                      </p:stCondLst>
-                      <p:childTnLst>
                         <p:par>
-                          <p:cTn id="27" fill="hold">
+                          <p:cTn id="26" fill="hold">
                             <p:stCondLst>
-                              <p:cond delay="0"/>
+                              <p:cond delay="2500"/>
                             </p:stCondLst>
                             <p:childTnLst>
                               <p:par>
-                                <p:cTn id="28" presetID="14" presetClass="entr" presetSubtype="10" fill="hold" grpId="0" nodeType="clickEffect">
+                                <p:cTn id="27" presetID="14" presetClass="entr" presetSubtype="10" fill="hold" grpId="0" nodeType="afterEffect">
                                   <p:stCondLst>
                                     <p:cond delay="0"/>
                                   </p:stCondLst>
                                   <p:childTnLst>
                                     <p:set>
                                       <p:cBhvr>
-                                        <p:cTn id="29" dur="1" fill="hold">
+                                        <p:cTn id="28" dur="1" fill="hold">
                                           <p:stCondLst>
                                             <p:cond delay="0"/>
                                           </p:stCondLst>
@@ -5866,7 +5970,7 @@
                                     </p:set>
                                     <p:animEffect transition="in" filter="randombar(horizontal)">
                                       <p:cBhvr>
-                                        <p:cTn id="30" dur="500"/>
+                                        <p:cTn id="29" dur="500"/>
                                         <p:tgtEl>
                                           <p:spTgt spid="2"/>
                                         </p:tgtEl>
@@ -5926,38 +6030,10 @@
           <a:chExt cx="0" cy="0"/>
         </a:xfrm>
       </p:grpSpPr>
-      <p:sp>
-        <p:nvSpPr>
-          <p:cNvPr id="2" name="Title 1"/>
-          <p:cNvSpPr>
-            <a:spLocks noGrp="1"/>
-          </p:cNvSpPr>
-          <p:nvPr>
-            <p:ph type="ctrTitle"/>
-          </p:nvPr>
-        </p:nvSpPr>
-        <p:spPr>
-          <a:xfrm>
-            <a:off x="-252536" y="2924944"/>
-            <a:ext cx="7772400" cy="704850"/>
-          </a:xfrm>
-        </p:spPr>
-        <p:txBody>
-          <a:bodyPr/>
-          <a:lstStyle/>
-          <a:p>
-            <a:r>
-              <a:rPr lang="en-SG" dirty="0" smtClean="0"/>
-              <a:t>Our Two Design Principle</a:t>
-            </a:r>
-            <a:endParaRPr lang="en-GB" dirty="0"/>
-          </a:p>
-        </p:txBody>
-      </p:sp>
     </p:spTree>
     <p:extLst>
       <p:ext uri="{BB962C8B-B14F-4D97-AF65-F5344CB8AC3E}">
-        <p14:creationId xmlns:p14="http://schemas.microsoft.com/office/powerpoint/2010/main" val="2390813015"/>
+        <p14:creationId xmlns:p14="http://schemas.microsoft.com/office/powerpoint/2010/main" val="3620897550"/>
       </p:ext>
     </p:extLst>
   </p:cSld>
@@ -6003,34 +6079,26 @@
         </p:nvSpPr>
         <p:spPr>
           <a:xfrm>
-            <a:off x="827584" y="2204864"/>
-            <a:ext cx="7389440" cy="2387600"/>
+            <a:off x="-252536" y="2924944"/>
+            <a:ext cx="7772400" cy="704850"/>
           </a:xfrm>
         </p:spPr>
         <p:txBody>
           <a:bodyPr/>
           <a:lstStyle/>
           <a:p>
-            <a:pPr algn="ctr"/>
             <a:r>
               <a:rPr lang="en-SG" dirty="0" smtClean="0"/>
-              <a:t>The Elves and the Shoemaker</a:t>
-            </a:r>
-            <a:br>
-              <a:rPr lang="en-SG" dirty="0" smtClean="0"/>
-            </a:br>
-            <a:r>
-              <a:rPr lang="en-SG" sz="1800" dirty="0" smtClean="0"/>
-              <a:t>Design Principle</a:t>
-            </a:r>
-            <a:endParaRPr lang="en-GB" sz="1800" dirty="0"/>
+              <a:t>Our Two Design Principle</a:t>
+            </a:r>
+            <a:endParaRPr lang="en-GB" dirty="0"/>
           </a:p>
         </p:txBody>
       </p:sp>
     </p:spTree>
     <p:extLst>
       <p:ext uri="{BB962C8B-B14F-4D97-AF65-F5344CB8AC3E}">
-        <p14:creationId xmlns:p14="http://schemas.microsoft.com/office/powerpoint/2010/main" val="694740285"/>
+        <p14:creationId xmlns:p14="http://schemas.microsoft.com/office/powerpoint/2010/main" val="2390813015"/>
       </p:ext>
     </p:extLst>
   </p:cSld>
@@ -6076,7 +6144,7 @@
         </p:nvSpPr>
         <p:spPr>
           <a:xfrm>
-            <a:off x="899592" y="2420888"/>
+            <a:off x="827584" y="2204864"/>
             <a:ext cx="7389440" cy="2387600"/>
           </a:xfrm>
         </p:spPr>
@@ -6087,7 +6155,7 @@
             <a:pPr algn="ctr"/>
             <a:r>
               <a:rPr lang="en-SG" dirty="0" smtClean="0"/>
-              <a:t>Just Enough is Enough</a:t>
+              <a:t>The Elves and the Shoemaker</a:t>
             </a:r>
             <a:br>
               <a:rPr lang="en-SG" dirty="0" smtClean="0"/>
@@ -6096,21 +6164,14 @@
               <a:rPr lang="en-SG" sz="1800" dirty="0" smtClean="0"/>
               <a:t>Design Principle</a:t>
             </a:r>
-            <a:r>
-              <a:rPr lang="en-SG" dirty="0" smtClean="0"/>
-              <a:t/>
-            </a:r>
-            <a:br>
-              <a:rPr lang="en-SG" dirty="0" smtClean="0"/>
-            </a:br>
-            <a:endParaRPr lang="en-GB" dirty="0"/>
+            <a:endParaRPr lang="en-GB" sz="1800" dirty="0"/>
           </a:p>
         </p:txBody>
       </p:sp>
     </p:spTree>
     <p:extLst>
       <p:ext uri="{BB962C8B-B14F-4D97-AF65-F5344CB8AC3E}">
-        <p14:creationId xmlns:p14="http://schemas.microsoft.com/office/powerpoint/2010/main" val="3180098290"/>
+        <p14:creationId xmlns:p14="http://schemas.microsoft.com/office/powerpoint/2010/main" val="694740285"/>
       </p:ext>
     </p:extLst>
   </p:cSld>
